--- a/Hangout_Maxent/Modelamiento de distribución de especies con Maxent en R.pptx
+++ b/Hangout_Maxent/Modelamiento de distribución de especies con Maxent en R.pptx
@@ -5,30 +5,32 @@
     <p:sldMasterId id="2147483648" r:id="rId1"/>
   </p:sldMasterIdLst>
   <p:notesMasterIdLst>
-    <p:notesMasterId r:id="rId23"/>
+    <p:notesMasterId r:id="rId25"/>
   </p:notesMasterIdLst>
   <p:sldIdLst>
     <p:sldId id="258" r:id="rId2"/>
     <p:sldId id="259" r:id="rId3"/>
-    <p:sldId id="256" r:id="rId4"/>
-    <p:sldId id="260" r:id="rId5"/>
-    <p:sldId id="262" r:id="rId6"/>
-    <p:sldId id="261" r:id="rId7"/>
-    <p:sldId id="263" r:id="rId8"/>
-    <p:sldId id="264" r:id="rId9"/>
-    <p:sldId id="265" r:id="rId10"/>
-    <p:sldId id="266" r:id="rId11"/>
-    <p:sldId id="267" r:id="rId12"/>
-    <p:sldId id="268" r:id="rId13"/>
-    <p:sldId id="269" r:id="rId14"/>
-    <p:sldId id="270" r:id="rId15"/>
-    <p:sldId id="271" r:id="rId16"/>
-    <p:sldId id="272" r:id="rId17"/>
-    <p:sldId id="273" r:id="rId18"/>
-    <p:sldId id="275" r:id="rId19"/>
-    <p:sldId id="276" r:id="rId20"/>
-    <p:sldId id="277" r:id="rId21"/>
-    <p:sldId id="279" r:id="rId22"/>
+    <p:sldId id="280" r:id="rId4"/>
+    <p:sldId id="256" r:id="rId5"/>
+    <p:sldId id="260" r:id="rId6"/>
+    <p:sldId id="262" r:id="rId7"/>
+    <p:sldId id="261" r:id="rId8"/>
+    <p:sldId id="263" r:id="rId9"/>
+    <p:sldId id="264" r:id="rId10"/>
+    <p:sldId id="265" r:id="rId11"/>
+    <p:sldId id="266" r:id="rId12"/>
+    <p:sldId id="267" r:id="rId13"/>
+    <p:sldId id="268" r:id="rId14"/>
+    <p:sldId id="269" r:id="rId15"/>
+    <p:sldId id="270" r:id="rId16"/>
+    <p:sldId id="271" r:id="rId17"/>
+    <p:sldId id="272" r:id="rId18"/>
+    <p:sldId id="273" r:id="rId19"/>
+    <p:sldId id="275" r:id="rId20"/>
+    <p:sldId id="276" r:id="rId21"/>
+    <p:sldId id="277" r:id="rId22"/>
+    <p:sldId id="279" r:id="rId23"/>
+    <p:sldId id="281" r:id="rId24"/>
   </p:sldIdLst>
   <p:sldSz cx="12192000" cy="6858000"/>
   <p:notesSz cx="6858000" cy="9144000"/>
@@ -3702,6 +3704,103 @@
           <a:chExt cx="0" cy="0"/>
         </a:xfrm>
       </p:grpSpPr>
+      <p:sp>
+        <p:nvSpPr>
+          <p:cNvPr id="2" name="Title 1"/>
+          <p:cNvSpPr>
+            <a:spLocks noGrp="1"/>
+          </p:cNvSpPr>
+          <p:nvPr>
+            <p:ph type="title"/>
+          </p:nvPr>
+        </p:nvSpPr>
+        <p:spPr/>
+        <p:txBody>
+          <a:bodyPr/>
+          <a:lstStyle/>
+          <a:p>
+            <a:r>
+              <a:rPr lang="en-US" dirty="0" err="1" smtClean="0"/>
+              <a:t>Formato</a:t>
+            </a:r>
+            <a:r>
+              <a:rPr lang="en-US" dirty="0" smtClean="0"/>
+              <a:t> SWD: </a:t>
+            </a:r>
+            <a:r>
+              <a:rPr lang="en-US" dirty="0" err="1" smtClean="0"/>
+              <a:t>datos</a:t>
+            </a:r>
+            <a:r>
+              <a:rPr lang="en-US" dirty="0" smtClean="0"/>
+              <a:t> de </a:t>
+            </a:r>
+            <a:r>
+              <a:rPr lang="en-US" dirty="0" err="1" smtClean="0"/>
+              <a:t>fondo</a:t>
+            </a:r>
+            <a:r>
+              <a:rPr lang="en-US" dirty="0" smtClean="0"/>
+              <a:t> (background)</a:t>
+            </a:r>
+            <a:endParaRPr lang="en-US" dirty="0"/>
+          </a:p>
+        </p:txBody>
+      </p:sp>
+      <p:pic>
+        <p:nvPicPr>
+          <p:cNvPr id="4" name="Picture 3"/>
+          <p:cNvPicPr>
+            <a:picLocks noChangeAspect="1"/>
+          </p:cNvPicPr>
+          <p:nvPr/>
+        </p:nvPicPr>
+        <p:blipFill>
+          <a:blip r:embed="rId2"/>
+          <a:stretch>
+            <a:fillRect/>
+          </a:stretch>
+        </p:blipFill>
+        <p:spPr>
+          <a:xfrm>
+            <a:off x="504825" y="1564313"/>
+            <a:ext cx="11182350" cy="4733925"/>
+          </a:xfrm>
+          <a:prstGeom prst="rect">
+            <a:avLst/>
+          </a:prstGeom>
+        </p:spPr>
+      </p:pic>
+    </p:spTree>
+    <p:extLst>
+      <p:ext uri="{BB962C8B-B14F-4D97-AF65-F5344CB8AC3E}">
+        <p14:creationId xmlns:p14="http://schemas.microsoft.com/office/powerpoint/2010/main" val="2382428207"/>
+      </p:ext>
+    </p:extLst>
+  </p:cSld>
+  <p:clrMapOvr>
+    <a:masterClrMapping/>
+  </p:clrMapOvr>
+</p:sld>
+</file>
+
+<file path=ppt/slides/slide11.xml><?xml version="1.0" encoding="utf-8"?>
+<p:sld xmlns:a="http://schemas.openxmlformats.org/drawingml/2006/main" xmlns:r="http://schemas.openxmlformats.org/officeDocument/2006/relationships" xmlns:p="http://schemas.openxmlformats.org/presentationml/2006/main">
+  <p:cSld>
+    <p:spTree>
+      <p:nvGrpSpPr>
+        <p:cNvPr id="1" name=""/>
+        <p:cNvGrpSpPr/>
+        <p:nvPr/>
+      </p:nvGrpSpPr>
+      <p:grpSpPr>
+        <a:xfrm>
+          <a:off x="0" y="0"/>
+          <a:ext cx="0" cy="0"/>
+          <a:chOff x="0" y="0"/>
+          <a:chExt cx="0" cy="0"/>
+        </a:xfrm>
+      </p:grpSpPr>
       <p:pic>
         <p:nvPicPr>
           <p:cNvPr id="4" name="Picture 3"/>
@@ -3789,7 +3888,7 @@
 </p:sld>
 </file>
 
-<file path=ppt/slides/slide11.xml><?xml version="1.0" encoding="utf-8"?>
+<file path=ppt/slides/slide12.xml><?xml version="1.0" encoding="utf-8"?>
 <p:sld xmlns:a="http://schemas.openxmlformats.org/drawingml/2006/main" xmlns:r="http://schemas.openxmlformats.org/officeDocument/2006/relationships" xmlns:p="http://schemas.openxmlformats.org/presentationml/2006/main">
   <p:cSld>
     <p:spTree>
@@ -4125,7 +4224,7 @@
 </p:sld>
 </file>
 
-<file path=ppt/slides/slide12.xml><?xml version="1.0" encoding="utf-8"?>
+<file path=ppt/slides/slide13.xml><?xml version="1.0" encoding="utf-8"?>
 <p:sld xmlns:a="http://schemas.openxmlformats.org/drawingml/2006/main" xmlns:r="http://schemas.openxmlformats.org/officeDocument/2006/relationships" xmlns:p="http://schemas.openxmlformats.org/presentationml/2006/main">
   <p:cSld>
     <p:spTree>
@@ -5654,7 +5753,7 @@
 </p:sld>
 </file>
 
-<file path=ppt/slides/slide13.xml><?xml version="1.0" encoding="utf-8"?>
+<file path=ppt/slides/slide14.xml><?xml version="1.0" encoding="utf-8"?>
 <p:sld xmlns:a="http://schemas.openxmlformats.org/drawingml/2006/main" xmlns:r="http://schemas.openxmlformats.org/officeDocument/2006/relationships" xmlns:p="http://schemas.openxmlformats.org/presentationml/2006/main">
   <p:cSld>
     <p:spTree>
@@ -5758,7 +5857,7 @@
 </p:sld>
 </file>
 
-<file path=ppt/slides/slide14.xml><?xml version="1.0" encoding="utf-8"?>
+<file path=ppt/slides/slide15.xml><?xml version="1.0" encoding="utf-8"?>
 <p:sld xmlns:a="http://schemas.openxmlformats.org/drawingml/2006/main" xmlns:r="http://schemas.openxmlformats.org/officeDocument/2006/relationships" xmlns:p="http://schemas.openxmlformats.org/presentationml/2006/main">
   <p:cSld>
     <p:spTree>
@@ -5812,7 +5911,7 @@
 </p:sld>
 </file>
 
-<file path=ppt/slides/slide15.xml><?xml version="1.0" encoding="utf-8"?>
+<file path=ppt/slides/slide16.xml><?xml version="1.0" encoding="utf-8"?>
 <p:sld xmlns:a="http://schemas.openxmlformats.org/drawingml/2006/main" xmlns:r="http://schemas.openxmlformats.org/officeDocument/2006/relationships" xmlns:p="http://schemas.openxmlformats.org/presentationml/2006/main">
   <p:cSld>
     <p:spTree>
@@ -6218,7 +6317,7 @@
 </p:sld>
 </file>
 
-<file path=ppt/slides/slide16.xml><?xml version="1.0" encoding="utf-8"?>
+<file path=ppt/slides/slide17.xml><?xml version="1.0" encoding="utf-8"?>
 <p:sld xmlns:a="http://schemas.openxmlformats.org/drawingml/2006/main" xmlns:r="http://schemas.openxmlformats.org/officeDocument/2006/relationships" xmlns:p="http://schemas.openxmlformats.org/presentationml/2006/main">
   <p:cSld>
     <p:spTree>
@@ -6702,7 +6801,7 @@
 </p:sld>
 </file>
 
-<file path=ppt/slides/slide17.xml><?xml version="1.0" encoding="utf-8"?>
+<file path=ppt/slides/slide18.xml><?xml version="1.0" encoding="utf-8"?>
 <p:sld xmlns:a="http://schemas.openxmlformats.org/drawingml/2006/main" xmlns:r="http://schemas.openxmlformats.org/officeDocument/2006/relationships" xmlns:p="http://schemas.openxmlformats.org/presentationml/2006/main">
   <p:cSld>
     <p:spTree>
@@ -7268,7 +7367,7 @@
 </p:sld>
 </file>
 
-<file path=ppt/slides/slide18.xml><?xml version="1.0" encoding="utf-8"?>
+<file path=ppt/slides/slide19.xml><?xml version="1.0" encoding="utf-8"?>
 <p:sld xmlns:a="http://schemas.openxmlformats.org/drawingml/2006/main" xmlns:r="http://schemas.openxmlformats.org/officeDocument/2006/relationships" xmlns:p="http://schemas.openxmlformats.org/presentationml/2006/main">
   <p:cSld>
     <p:spTree>
@@ -7975,7 +8074,269 @@
 </p:sld>
 </file>
 
-<file path=ppt/slides/slide19.xml><?xml version="1.0" encoding="utf-8"?>
+<file path=ppt/slides/slide2.xml><?xml version="1.0" encoding="utf-8"?>
+<p:sld xmlns:a="http://schemas.openxmlformats.org/drawingml/2006/main" xmlns:r="http://schemas.openxmlformats.org/officeDocument/2006/relationships" xmlns:p="http://schemas.openxmlformats.org/presentationml/2006/main">
+  <p:cSld>
+    <p:spTree>
+      <p:nvGrpSpPr>
+        <p:cNvPr id="1" name=""/>
+        <p:cNvGrpSpPr/>
+        <p:nvPr/>
+      </p:nvGrpSpPr>
+      <p:grpSpPr>
+        <a:xfrm>
+          <a:off x="0" y="0"/>
+          <a:ext cx="0" cy="0"/>
+          <a:chOff x="0" y="0"/>
+          <a:chExt cx="0" cy="0"/>
+        </a:xfrm>
+      </p:grpSpPr>
+      <p:sp>
+        <p:nvSpPr>
+          <p:cNvPr id="2" name="Title 1"/>
+          <p:cNvSpPr>
+            <a:spLocks noGrp="1"/>
+          </p:cNvSpPr>
+          <p:nvPr>
+            <p:ph type="title"/>
+          </p:nvPr>
+        </p:nvSpPr>
+        <p:spPr>
+          <a:xfrm>
+            <a:off x="992747" y="500062"/>
+            <a:ext cx="10515600" cy="1325563"/>
+          </a:xfrm>
+        </p:spPr>
+        <p:txBody>
+          <a:bodyPr/>
+          <a:lstStyle/>
+          <a:p>
+            <a:r>
+              <a:rPr lang="en-US" dirty="0" err="1" smtClean="0"/>
+              <a:t>Contenido</a:t>
+            </a:r>
+            <a:endParaRPr lang="en-US" dirty="0"/>
+          </a:p>
+        </p:txBody>
+      </p:sp>
+      <p:sp>
+        <p:nvSpPr>
+          <p:cNvPr id="3" name="Content Placeholder 2"/>
+          <p:cNvSpPr>
+            <a:spLocks noGrp="1"/>
+          </p:cNvSpPr>
+          <p:nvPr>
+            <p:ph idx="1"/>
+          </p:nvPr>
+        </p:nvSpPr>
+        <p:spPr/>
+        <p:txBody>
+          <a:bodyPr/>
+          <a:lstStyle/>
+          <a:p>
+            <a:r>
+              <a:rPr lang="en-US" dirty="0" err="1" smtClean="0"/>
+              <a:t>Requerimientos</a:t>
+            </a:r>
+            <a:endParaRPr lang="en-US" dirty="0"/>
+          </a:p>
+          <a:p>
+            <a:r>
+              <a:rPr lang="en-US" dirty="0" err="1" smtClean="0"/>
+              <a:t>Formatos</a:t>
+            </a:r>
+            <a:r>
+              <a:rPr lang="en-US" dirty="0" smtClean="0"/>
+              <a:t> para </a:t>
+            </a:r>
+            <a:r>
+              <a:rPr lang="en-US" dirty="0" err="1" smtClean="0"/>
+              <a:t>correr</a:t>
+            </a:r>
+            <a:r>
+              <a:rPr lang="en-US" dirty="0" smtClean="0"/>
+              <a:t> </a:t>
+            </a:r>
+            <a:r>
+              <a:rPr lang="en-US" dirty="0" err="1" smtClean="0"/>
+              <a:t>modelos</a:t>
+            </a:r>
+            <a:r>
+              <a:rPr lang="en-US" dirty="0" smtClean="0"/>
+              <a:t> </a:t>
+            </a:r>
+            <a:r>
+              <a:rPr lang="en-US" dirty="0" err="1" smtClean="0"/>
+              <a:t>en</a:t>
+            </a:r>
+            <a:r>
+              <a:rPr lang="en-US" dirty="0" smtClean="0"/>
+              <a:t> </a:t>
+            </a:r>
+            <a:r>
+              <a:rPr lang="en-US" dirty="0" err="1" smtClean="0"/>
+              <a:t>Maxent</a:t>
+            </a:r>
+            <a:endParaRPr lang="en-US" dirty="0" smtClean="0"/>
+          </a:p>
+          <a:p>
+            <a:r>
+              <a:rPr lang="en-US" dirty="0" err="1" smtClean="0"/>
+              <a:t>Evaluación</a:t>
+            </a:r>
+            <a:r>
+              <a:rPr lang="en-US" dirty="0" smtClean="0"/>
+              <a:t> de </a:t>
+            </a:r>
+            <a:r>
+              <a:rPr lang="en-US" dirty="0" err="1" smtClean="0"/>
+              <a:t>modelos</a:t>
+            </a:r>
+            <a:r>
+              <a:rPr lang="en-US" dirty="0" smtClean="0"/>
+              <a:t>, </a:t>
+            </a:r>
+            <a:r>
+              <a:rPr lang="en-US" dirty="0" err="1" smtClean="0"/>
+              <a:t>estadísticas</a:t>
+            </a:r>
+            <a:r>
+              <a:rPr lang="en-US" dirty="0" smtClean="0"/>
+              <a:t> de </a:t>
+            </a:r>
+            <a:r>
+              <a:rPr lang="en-US" dirty="0" err="1" smtClean="0"/>
+              <a:t>desempeño</a:t>
+            </a:r>
+            <a:r>
+              <a:rPr lang="en-US" dirty="0" smtClean="0"/>
+              <a:t> y </a:t>
+            </a:r>
+            <a:r>
+              <a:rPr lang="en-US" dirty="0" err="1" smtClean="0"/>
+              <a:t>umbrales</a:t>
+            </a:r>
+            <a:endParaRPr lang="en-US" dirty="0" smtClean="0"/>
+          </a:p>
+          <a:p>
+            <a:r>
+              <a:rPr lang="en-US" dirty="0" err="1" smtClean="0"/>
+              <a:t>Transferencia</a:t>
+            </a:r>
+            <a:r>
+              <a:rPr lang="en-US" dirty="0" smtClean="0"/>
+              <a:t> </a:t>
+            </a:r>
+            <a:r>
+              <a:rPr lang="en-US" dirty="0" err="1" smtClean="0"/>
+              <a:t>modelos</a:t>
+            </a:r>
+            <a:r>
+              <a:rPr lang="en-US" dirty="0" smtClean="0"/>
+              <a:t> a </a:t>
+            </a:r>
+            <a:r>
+              <a:rPr lang="en-US" dirty="0" err="1" smtClean="0"/>
+              <a:t>otras</a:t>
+            </a:r>
+            <a:r>
+              <a:rPr lang="en-US" dirty="0" smtClean="0"/>
+              <a:t> </a:t>
+            </a:r>
+            <a:r>
+              <a:rPr lang="en-US" dirty="0" err="1" smtClean="0"/>
+              <a:t>épocas</a:t>
+            </a:r>
+            <a:r>
+              <a:rPr lang="en-US" dirty="0"/>
+              <a:t> </a:t>
+            </a:r>
+            <a:r>
+              <a:rPr lang="en-US" dirty="0" smtClean="0"/>
+              <a:t>/ </a:t>
+            </a:r>
+            <a:r>
+              <a:rPr lang="en-US" dirty="0" err="1" smtClean="0"/>
+              <a:t>áreas</a:t>
+            </a:r>
+            <a:endParaRPr lang="en-US" dirty="0" smtClean="0"/>
+          </a:p>
+          <a:p>
+            <a:r>
+              <a:rPr lang="en-US" dirty="0" err="1" smtClean="0"/>
+              <a:t>Selección</a:t>
+            </a:r>
+            <a:r>
+              <a:rPr lang="en-US" dirty="0" smtClean="0"/>
+              <a:t> de features</a:t>
+            </a:r>
+          </a:p>
+          <a:p>
+            <a:r>
+              <a:rPr lang="en-US" dirty="0" err="1" smtClean="0"/>
+              <a:t>Argumentos</a:t>
+            </a:r>
+            <a:r>
+              <a:rPr lang="en-US" dirty="0" smtClean="0"/>
+              <a:t> para </a:t>
+            </a:r>
+            <a:r>
+              <a:rPr lang="en-US" dirty="0" err="1" smtClean="0"/>
+              <a:t>transferencia</a:t>
+            </a:r>
+            <a:r>
+              <a:rPr lang="en-US" dirty="0" smtClean="0"/>
+              <a:t> de </a:t>
+            </a:r>
+            <a:r>
+              <a:rPr lang="en-US" dirty="0" err="1" smtClean="0"/>
+              <a:t>modelos</a:t>
+            </a:r>
+            <a:endParaRPr lang="en-US" dirty="0" smtClean="0"/>
+          </a:p>
+          <a:p>
+            <a:r>
+              <a:rPr lang="en-US" dirty="0" err="1" smtClean="0"/>
+              <a:t>Regularización</a:t>
+            </a:r>
+            <a:endParaRPr lang="en-US" dirty="0"/>
+          </a:p>
+          <a:p>
+            <a:r>
+              <a:rPr lang="en-US" dirty="0" err="1" smtClean="0"/>
+              <a:t>Selección</a:t>
+            </a:r>
+            <a:r>
+              <a:rPr lang="en-US" dirty="0" smtClean="0"/>
+              <a:t> de M</a:t>
+            </a:r>
+          </a:p>
+          <a:p>
+            <a:endParaRPr lang="en-US" dirty="0" smtClean="0"/>
+          </a:p>
+        </p:txBody>
+      </p:sp>
+    </p:spTree>
+    <p:extLst>
+      <p:ext uri="{BB962C8B-B14F-4D97-AF65-F5344CB8AC3E}">
+        <p14:creationId xmlns:p14="http://schemas.microsoft.com/office/powerpoint/2010/main" val="3680808711"/>
+      </p:ext>
+    </p:extLst>
+  </p:cSld>
+  <p:clrMapOvr>
+    <a:masterClrMapping/>
+  </p:clrMapOvr>
+  <p:timing>
+    <p:tnLst>
+      <p:par>
+        <p:cTn id="1" dur="indefinite" restart="never" nodeType="tmRoot"/>
+      </p:par>
+    </p:tnLst>
+  </p:timing>
+</p:sld>
+</file>
+
+<file path=ppt/slides/slide20.xml><?xml version="1.0" encoding="utf-8"?>
 <p:sld xmlns:a="http://schemas.openxmlformats.org/drawingml/2006/main" xmlns:r="http://schemas.openxmlformats.org/officeDocument/2006/relationships" xmlns:p="http://schemas.openxmlformats.org/presentationml/2006/main">
   <p:cSld>
     <p:spTree>
@@ -9662,269 +10023,7 @@
 </p:sld>
 </file>
 
-<file path=ppt/slides/slide2.xml><?xml version="1.0" encoding="utf-8"?>
-<p:sld xmlns:a="http://schemas.openxmlformats.org/drawingml/2006/main" xmlns:r="http://schemas.openxmlformats.org/officeDocument/2006/relationships" xmlns:p="http://schemas.openxmlformats.org/presentationml/2006/main">
-  <p:cSld>
-    <p:spTree>
-      <p:nvGrpSpPr>
-        <p:cNvPr id="1" name=""/>
-        <p:cNvGrpSpPr/>
-        <p:nvPr/>
-      </p:nvGrpSpPr>
-      <p:grpSpPr>
-        <a:xfrm>
-          <a:off x="0" y="0"/>
-          <a:ext cx="0" cy="0"/>
-          <a:chOff x="0" y="0"/>
-          <a:chExt cx="0" cy="0"/>
-        </a:xfrm>
-      </p:grpSpPr>
-      <p:sp>
-        <p:nvSpPr>
-          <p:cNvPr id="2" name="Title 1"/>
-          <p:cNvSpPr>
-            <a:spLocks noGrp="1"/>
-          </p:cNvSpPr>
-          <p:nvPr>
-            <p:ph type="title"/>
-          </p:nvPr>
-        </p:nvSpPr>
-        <p:spPr>
-          <a:xfrm>
-            <a:off x="992747" y="500062"/>
-            <a:ext cx="10515600" cy="1325563"/>
-          </a:xfrm>
-        </p:spPr>
-        <p:txBody>
-          <a:bodyPr/>
-          <a:lstStyle/>
-          <a:p>
-            <a:r>
-              <a:rPr lang="en-US" dirty="0" err="1" smtClean="0"/>
-              <a:t>Contenido</a:t>
-            </a:r>
-            <a:endParaRPr lang="en-US" dirty="0"/>
-          </a:p>
-        </p:txBody>
-      </p:sp>
-      <p:sp>
-        <p:nvSpPr>
-          <p:cNvPr id="3" name="Content Placeholder 2"/>
-          <p:cNvSpPr>
-            <a:spLocks noGrp="1"/>
-          </p:cNvSpPr>
-          <p:nvPr>
-            <p:ph idx="1"/>
-          </p:nvPr>
-        </p:nvSpPr>
-        <p:spPr/>
-        <p:txBody>
-          <a:bodyPr/>
-          <a:lstStyle/>
-          <a:p>
-            <a:r>
-              <a:rPr lang="en-US" dirty="0" err="1" smtClean="0"/>
-              <a:t>Requerimientos</a:t>
-            </a:r>
-            <a:endParaRPr lang="en-US" dirty="0"/>
-          </a:p>
-          <a:p>
-            <a:r>
-              <a:rPr lang="en-US" dirty="0" err="1" smtClean="0"/>
-              <a:t>Formatos</a:t>
-            </a:r>
-            <a:r>
-              <a:rPr lang="en-US" dirty="0" smtClean="0"/>
-              <a:t> para </a:t>
-            </a:r>
-            <a:r>
-              <a:rPr lang="en-US" dirty="0" err="1" smtClean="0"/>
-              <a:t>correr</a:t>
-            </a:r>
-            <a:r>
-              <a:rPr lang="en-US" dirty="0" smtClean="0"/>
-              <a:t> </a:t>
-            </a:r>
-            <a:r>
-              <a:rPr lang="en-US" dirty="0" err="1" smtClean="0"/>
-              <a:t>modelos</a:t>
-            </a:r>
-            <a:r>
-              <a:rPr lang="en-US" dirty="0" smtClean="0"/>
-              <a:t> </a:t>
-            </a:r>
-            <a:r>
-              <a:rPr lang="en-US" dirty="0" err="1" smtClean="0"/>
-              <a:t>en</a:t>
-            </a:r>
-            <a:r>
-              <a:rPr lang="en-US" dirty="0" smtClean="0"/>
-              <a:t> </a:t>
-            </a:r>
-            <a:r>
-              <a:rPr lang="en-US" dirty="0" err="1" smtClean="0"/>
-              <a:t>Maxent</a:t>
-            </a:r>
-            <a:endParaRPr lang="en-US" dirty="0" smtClean="0"/>
-          </a:p>
-          <a:p>
-            <a:r>
-              <a:rPr lang="en-US" dirty="0" err="1" smtClean="0"/>
-              <a:t>Evaluación</a:t>
-            </a:r>
-            <a:r>
-              <a:rPr lang="en-US" dirty="0" smtClean="0"/>
-              <a:t> de </a:t>
-            </a:r>
-            <a:r>
-              <a:rPr lang="en-US" dirty="0" err="1" smtClean="0"/>
-              <a:t>modelos</a:t>
-            </a:r>
-            <a:r>
-              <a:rPr lang="en-US" dirty="0" smtClean="0"/>
-              <a:t>, </a:t>
-            </a:r>
-            <a:r>
-              <a:rPr lang="en-US" dirty="0" err="1" smtClean="0"/>
-              <a:t>estadísticas</a:t>
-            </a:r>
-            <a:r>
-              <a:rPr lang="en-US" dirty="0" smtClean="0"/>
-              <a:t> de </a:t>
-            </a:r>
-            <a:r>
-              <a:rPr lang="en-US" dirty="0" err="1" smtClean="0"/>
-              <a:t>desempeño</a:t>
-            </a:r>
-            <a:r>
-              <a:rPr lang="en-US" dirty="0" smtClean="0"/>
-              <a:t> y </a:t>
-            </a:r>
-            <a:r>
-              <a:rPr lang="en-US" dirty="0" err="1" smtClean="0"/>
-              <a:t>umbrales</a:t>
-            </a:r>
-            <a:endParaRPr lang="en-US" dirty="0" smtClean="0"/>
-          </a:p>
-          <a:p>
-            <a:r>
-              <a:rPr lang="en-US" dirty="0" err="1" smtClean="0"/>
-              <a:t>Transferencia</a:t>
-            </a:r>
-            <a:r>
-              <a:rPr lang="en-US" dirty="0" smtClean="0"/>
-              <a:t> </a:t>
-            </a:r>
-            <a:r>
-              <a:rPr lang="en-US" dirty="0" err="1" smtClean="0"/>
-              <a:t>modelos</a:t>
-            </a:r>
-            <a:r>
-              <a:rPr lang="en-US" dirty="0" smtClean="0"/>
-              <a:t> a </a:t>
-            </a:r>
-            <a:r>
-              <a:rPr lang="en-US" dirty="0" err="1" smtClean="0"/>
-              <a:t>otras</a:t>
-            </a:r>
-            <a:r>
-              <a:rPr lang="en-US" dirty="0" smtClean="0"/>
-              <a:t> </a:t>
-            </a:r>
-            <a:r>
-              <a:rPr lang="en-US" dirty="0" err="1" smtClean="0"/>
-              <a:t>épocas</a:t>
-            </a:r>
-            <a:r>
-              <a:rPr lang="en-US" dirty="0"/>
-              <a:t> </a:t>
-            </a:r>
-            <a:r>
-              <a:rPr lang="en-US" dirty="0" smtClean="0"/>
-              <a:t>/ </a:t>
-            </a:r>
-            <a:r>
-              <a:rPr lang="en-US" dirty="0" err="1" smtClean="0"/>
-              <a:t>áreas</a:t>
-            </a:r>
-            <a:endParaRPr lang="en-US" dirty="0" smtClean="0"/>
-          </a:p>
-          <a:p>
-            <a:r>
-              <a:rPr lang="en-US" dirty="0" err="1" smtClean="0"/>
-              <a:t>Selección</a:t>
-            </a:r>
-            <a:r>
-              <a:rPr lang="en-US" dirty="0" smtClean="0"/>
-              <a:t> de features</a:t>
-            </a:r>
-          </a:p>
-          <a:p>
-            <a:r>
-              <a:rPr lang="en-US" dirty="0" err="1" smtClean="0"/>
-              <a:t>Argumentos</a:t>
-            </a:r>
-            <a:r>
-              <a:rPr lang="en-US" dirty="0" smtClean="0"/>
-              <a:t> para </a:t>
-            </a:r>
-            <a:r>
-              <a:rPr lang="en-US" dirty="0" err="1" smtClean="0"/>
-              <a:t>transferencia</a:t>
-            </a:r>
-            <a:r>
-              <a:rPr lang="en-US" dirty="0" smtClean="0"/>
-              <a:t> de </a:t>
-            </a:r>
-            <a:r>
-              <a:rPr lang="en-US" dirty="0" err="1" smtClean="0"/>
-              <a:t>modelos</a:t>
-            </a:r>
-            <a:endParaRPr lang="en-US" dirty="0" smtClean="0"/>
-          </a:p>
-          <a:p>
-            <a:r>
-              <a:rPr lang="en-US" dirty="0" err="1" smtClean="0"/>
-              <a:t>Regularización</a:t>
-            </a:r>
-            <a:endParaRPr lang="en-US" dirty="0"/>
-          </a:p>
-          <a:p>
-            <a:r>
-              <a:rPr lang="en-US" dirty="0" err="1" smtClean="0"/>
-              <a:t>Selección</a:t>
-            </a:r>
-            <a:r>
-              <a:rPr lang="en-US" dirty="0" smtClean="0"/>
-              <a:t> de M</a:t>
-            </a:r>
-          </a:p>
-          <a:p>
-            <a:endParaRPr lang="en-US" dirty="0" smtClean="0"/>
-          </a:p>
-        </p:txBody>
-      </p:sp>
-    </p:spTree>
-    <p:extLst>
-      <p:ext uri="{BB962C8B-B14F-4D97-AF65-F5344CB8AC3E}">
-        <p14:creationId xmlns:p14="http://schemas.microsoft.com/office/powerpoint/2010/main" val="3680808711"/>
-      </p:ext>
-    </p:extLst>
-  </p:cSld>
-  <p:clrMapOvr>
-    <a:masterClrMapping/>
-  </p:clrMapOvr>
-  <p:timing>
-    <p:tnLst>
-      <p:par>
-        <p:cTn id="1" dur="indefinite" restart="never" nodeType="tmRoot"/>
-      </p:par>
-    </p:tnLst>
-  </p:timing>
-</p:sld>
-</file>
-
-<file path=ppt/slides/slide20.xml><?xml version="1.0" encoding="utf-8"?>
+<file path=ppt/slides/slide21.xml><?xml version="1.0" encoding="utf-8"?>
 <p:sld xmlns:a="http://schemas.openxmlformats.org/drawingml/2006/main" xmlns:r="http://schemas.openxmlformats.org/officeDocument/2006/relationships" xmlns:p="http://schemas.openxmlformats.org/presentationml/2006/main">
   <p:cSld>
     <p:spTree>
@@ -13654,7 +13753,7 @@
 </p:sld>
 </file>
 
-<file path=ppt/slides/slide21.xml><?xml version="1.0" encoding="utf-8"?>
+<file path=ppt/slides/slide22.xml><?xml version="1.0" encoding="utf-8"?>
 <p:sld xmlns:a="http://schemas.openxmlformats.org/drawingml/2006/main" xmlns:r="http://schemas.openxmlformats.org/officeDocument/2006/relationships" xmlns:p="http://schemas.openxmlformats.org/presentationml/2006/main">
   <p:cSld>
     <p:spTree>
@@ -14072,7 +14171,223 @@
 </p:sld>
 </file>
 
+<file path=ppt/slides/slide23.xml><?xml version="1.0" encoding="utf-8"?>
+<p:sld xmlns:a="http://schemas.openxmlformats.org/drawingml/2006/main" xmlns:r="http://schemas.openxmlformats.org/officeDocument/2006/relationships" xmlns:p="http://schemas.openxmlformats.org/presentationml/2006/main">
+  <p:cSld>
+    <p:spTree>
+      <p:nvGrpSpPr>
+        <p:cNvPr id="1" name=""/>
+        <p:cNvGrpSpPr/>
+        <p:nvPr/>
+      </p:nvGrpSpPr>
+      <p:grpSpPr>
+        <a:xfrm>
+          <a:off x="0" y="0"/>
+          <a:ext cx="0" cy="0"/>
+          <a:chOff x="0" y="0"/>
+          <a:chExt cx="0" cy="0"/>
+        </a:xfrm>
+      </p:grpSpPr>
+      <p:sp>
+        <p:nvSpPr>
+          <p:cNvPr id="2" name="Title 1"/>
+          <p:cNvSpPr>
+            <a:spLocks noGrp="1"/>
+          </p:cNvSpPr>
+          <p:nvPr>
+            <p:ph type="title"/>
+          </p:nvPr>
+        </p:nvSpPr>
+        <p:spPr/>
+        <p:txBody>
+          <a:bodyPr/>
+          <a:lstStyle/>
+          <a:p>
+            <a:r>
+              <a:rPr lang="en-US" dirty="0" err="1" smtClean="0"/>
+              <a:t>Corriendo</a:t>
+            </a:r>
+            <a:r>
+              <a:rPr lang="en-US" dirty="0" smtClean="0"/>
+              <a:t> </a:t>
+            </a:r>
+            <a:r>
+              <a:rPr lang="en-US" dirty="0" err="1" smtClean="0"/>
+              <a:t>varios</a:t>
+            </a:r>
+            <a:r>
+              <a:rPr lang="en-US" dirty="0" smtClean="0"/>
+              <a:t> </a:t>
+            </a:r>
+            <a:r>
+              <a:rPr lang="en-US" dirty="0" err="1" smtClean="0"/>
+              <a:t>modelos</a:t>
+            </a:r>
+            <a:endParaRPr lang="en-US" dirty="0"/>
+          </a:p>
+        </p:txBody>
+      </p:sp>
+      <p:sp>
+        <p:nvSpPr>
+          <p:cNvPr id="3" name="Content Placeholder 2"/>
+          <p:cNvSpPr>
+            <a:spLocks noGrp="1"/>
+          </p:cNvSpPr>
+          <p:nvPr>
+            <p:ph idx="1"/>
+          </p:nvPr>
+        </p:nvSpPr>
+        <p:spPr/>
+        <p:txBody>
+          <a:bodyPr/>
+          <a:lstStyle/>
+          <a:p>
+            <a:pPr marL="0" indent="0">
+              <a:buNone/>
+            </a:pPr>
+            <a:r>
+              <a:rPr lang="en-US" dirty="0"/>
+              <a:t>https://github.com/LBAB-Humboldt/parallelMaxent</a:t>
+            </a:r>
+          </a:p>
+        </p:txBody>
+      </p:sp>
+    </p:spTree>
+    <p:extLst>
+      <p:ext uri="{BB962C8B-B14F-4D97-AF65-F5344CB8AC3E}">
+        <p14:creationId xmlns:p14="http://schemas.microsoft.com/office/powerpoint/2010/main" val="3420196693"/>
+      </p:ext>
+    </p:extLst>
+  </p:cSld>
+  <p:clrMapOvr>
+    <a:masterClrMapping/>
+  </p:clrMapOvr>
+  <p:timing>
+    <p:tnLst>
+      <p:par>
+        <p:cTn id="1" dur="indefinite" restart="never" nodeType="tmRoot"/>
+      </p:par>
+    </p:tnLst>
+  </p:timing>
+</p:sld>
+</file>
+
 <file path=ppt/slides/slide3.xml><?xml version="1.0" encoding="utf-8"?>
+<p:sld xmlns:a="http://schemas.openxmlformats.org/drawingml/2006/main" xmlns:r="http://schemas.openxmlformats.org/officeDocument/2006/relationships" xmlns:p="http://schemas.openxmlformats.org/presentationml/2006/main">
+  <p:cSld>
+    <p:spTree>
+      <p:nvGrpSpPr>
+        <p:cNvPr id="1" name=""/>
+        <p:cNvGrpSpPr/>
+        <p:nvPr/>
+      </p:nvGrpSpPr>
+      <p:grpSpPr>
+        <a:xfrm>
+          <a:off x="0" y="0"/>
+          <a:ext cx="0" cy="0"/>
+          <a:chOff x="0" y="0"/>
+          <a:chExt cx="0" cy="0"/>
+        </a:xfrm>
+      </p:grpSpPr>
+      <p:sp>
+        <p:nvSpPr>
+          <p:cNvPr id="2" name="Title 1"/>
+          <p:cNvSpPr>
+            <a:spLocks noGrp="1"/>
+          </p:cNvSpPr>
+          <p:nvPr>
+            <p:ph type="title"/>
+          </p:nvPr>
+        </p:nvSpPr>
+        <p:spPr/>
+        <p:txBody>
+          <a:bodyPr/>
+          <a:lstStyle/>
+          <a:p>
+            <a:r>
+              <a:rPr lang="en-US" dirty="0" err="1" smtClean="0"/>
+              <a:t>Código</a:t>
+            </a:r>
+            <a:r>
+              <a:rPr lang="en-US" dirty="0" smtClean="0"/>
+              <a:t> y </a:t>
+            </a:r>
+            <a:r>
+              <a:rPr lang="en-US" dirty="0" err="1" smtClean="0"/>
+              <a:t>diapositivas</a:t>
+            </a:r>
+            <a:endParaRPr lang="en-US" dirty="0"/>
+          </a:p>
+        </p:txBody>
+      </p:sp>
+      <p:sp>
+        <p:nvSpPr>
+          <p:cNvPr id="3" name="Content Placeholder 2"/>
+          <p:cNvSpPr>
+            <a:spLocks noGrp="1"/>
+          </p:cNvSpPr>
+          <p:nvPr>
+            <p:ph idx="1"/>
+          </p:nvPr>
+        </p:nvSpPr>
+        <p:spPr/>
+        <p:txBody>
+          <a:bodyPr/>
+          <a:lstStyle/>
+          <a:p>
+            <a:pPr marL="0" indent="0">
+              <a:buNone/>
+            </a:pPr>
+            <a:endParaRPr lang="en-US" dirty="0" smtClean="0"/>
+          </a:p>
+          <a:p>
+            <a:pPr marL="0" indent="0">
+              <a:buNone/>
+            </a:pPr>
+            <a:endParaRPr lang="en-US" dirty="0"/>
+          </a:p>
+          <a:p>
+            <a:pPr marL="0" indent="0">
+              <a:buNone/>
+            </a:pPr>
+            <a:endParaRPr lang="en-US" dirty="0" smtClean="0"/>
+          </a:p>
+          <a:p>
+            <a:pPr marL="0" indent="0">
+              <a:buNone/>
+            </a:pPr>
+            <a:r>
+              <a:rPr lang="en-US" dirty="0" smtClean="0"/>
+              <a:t>https</a:t>
+            </a:r>
+            <a:r>
+              <a:rPr lang="en-US" dirty="0"/>
+              <a:t>://github.com/jivelasquezt/courses/tree/master/Hangout_Maxent</a:t>
+            </a:r>
+          </a:p>
+        </p:txBody>
+      </p:sp>
+    </p:spTree>
+    <p:extLst>
+      <p:ext uri="{BB962C8B-B14F-4D97-AF65-F5344CB8AC3E}">
+        <p14:creationId xmlns:p14="http://schemas.microsoft.com/office/powerpoint/2010/main" val="2637254805"/>
+      </p:ext>
+    </p:extLst>
+  </p:cSld>
+  <p:clrMapOvr>
+    <a:masterClrMapping/>
+  </p:clrMapOvr>
+  <p:timing>
+    <p:tnLst>
+      <p:par>
+        <p:cTn id="1" dur="indefinite" restart="never" nodeType="tmRoot"/>
+      </p:par>
+    </p:tnLst>
+  </p:timing>
+</p:sld>
+</file>
+
+<file path=ppt/slides/slide4.xml><?xml version="1.0" encoding="utf-8"?>
 <p:sld xmlns:a="http://schemas.openxmlformats.org/drawingml/2006/main" xmlns:r="http://schemas.openxmlformats.org/officeDocument/2006/relationships" xmlns:p="http://schemas.openxmlformats.org/presentationml/2006/main">
   <p:cSld>
     <p:spTree>
@@ -14331,7 +14646,7 @@
 </p:sld>
 </file>
 
-<file path=ppt/slides/slide4.xml><?xml version="1.0" encoding="utf-8"?>
+<file path=ppt/slides/slide5.xml><?xml version="1.0" encoding="utf-8"?>
 <p:sld xmlns:a="http://schemas.openxmlformats.org/drawingml/2006/main" xmlns:r="http://schemas.openxmlformats.org/officeDocument/2006/relationships" xmlns:p="http://schemas.openxmlformats.org/presentationml/2006/main">
   <p:cSld>
     <p:spTree>
@@ -14450,7 +14765,7 @@
 </p:sld>
 </file>
 
-<file path=ppt/slides/slide5.xml><?xml version="1.0" encoding="utf-8"?>
+<file path=ppt/slides/slide6.xml><?xml version="1.0" encoding="utf-8"?>
 <p:sld xmlns:a="http://schemas.openxmlformats.org/drawingml/2006/main" xmlns:r="http://schemas.openxmlformats.org/officeDocument/2006/relationships" xmlns:p="http://schemas.openxmlformats.org/presentationml/2006/main">
   <p:cSld>
     <p:spTree>
@@ -14564,7 +14879,7 @@
 </p:sld>
 </file>
 
-<file path=ppt/slides/slide6.xml><?xml version="1.0" encoding="utf-8"?>
+<file path=ppt/slides/slide7.xml><?xml version="1.0" encoding="utf-8"?>
 <p:sld xmlns:a="http://schemas.openxmlformats.org/drawingml/2006/main" xmlns:r="http://schemas.openxmlformats.org/officeDocument/2006/relationships" xmlns:p="http://schemas.openxmlformats.org/presentationml/2006/main">
   <p:cSld>
     <p:spTree>
@@ -14852,7 +15167,7 @@
 </p:sld>
 </file>
 
-<file path=ppt/slides/slide7.xml><?xml version="1.0" encoding="utf-8"?>
+<file path=ppt/slides/slide8.xml><?xml version="1.0" encoding="utf-8"?>
 <p:sld xmlns:a="http://schemas.openxmlformats.org/drawingml/2006/main" xmlns:r="http://schemas.openxmlformats.org/officeDocument/2006/relationships" xmlns:p="http://schemas.openxmlformats.org/presentationml/2006/main">
   <p:cSld>
     <p:spTree>
@@ -14940,7 +15255,7 @@
 </p:sld>
 </file>
 
-<file path=ppt/slides/slide8.xml><?xml version="1.0" encoding="utf-8"?>
+<file path=ppt/slides/slide9.xml><?xml version="1.0" encoding="utf-8"?>
 <p:sld xmlns:a="http://schemas.openxmlformats.org/drawingml/2006/main" xmlns:r="http://schemas.openxmlformats.org/officeDocument/2006/relationships" xmlns:p="http://schemas.openxmlformats.org/presentationml/2006/main">
   <p:cSld>
     <p:spTree>
@@ -15015,103 +15330,6 @@
     <p:extLst>
       <p:ext uri="{BB962C8B-B14F-4D97-AF65-F5344CB8AC3E}">
         <p14:creationId xmlns:p14="http://schemas.microsoft.com/office/powerpoint/2010/main" val="1889394696"/>
-      </p:ext>
-    </p:extLst>
-  </p:cSld>
-  <p:clrMapOvr>
-    <a:masterClrMapping/>
-  </p:clrMapOvr>
-</p:sld>
-</file>
-
-<file path=ppt/slides/slide9.xml><?xml version="1.0" encoding="utf-8"?>
-<p:sld xmlns:a="http://schemas.openxmlformats.org/drawingml/2006/main" xmlns:r="http://schemas.openxmlformats.org/officeDocument/2006/relationships" xmlns:p="http://schemas.openxmlformats.org/presentationml/2006/main">
-  <p:cSld>
-    <p:spTree>
-      <p:nvGrpSpPr>
-        <p:cNvPr id="1" name=""/>
-        <p:cNvGrpSpPr/>
-        <p:nvPr/>
-      </p:nvGrpSpPr>
-      <p:grpSpPr>
-        <a:xfrm>
-          <a:off x="0" y="0"/>
-          <a:ext cx="0" cy="0"/>
-          <a:chOff x="0" y="0"/>
-          <a:chExt cx="0" cy="0"/>
-        </a:xfrm>
-      </p:grpSpPr>
-      <p:sp>
-        <p:nvSpPr>
-          <p:cNvPr id="2" name="Title 1"/>
-          <p:cNvSpPr>
-            <a:spLocks noGrp="1"/>
-          </p:cNvSpPr>
-          <p:nvPr>
-            <p:ph type="title"/>
-          </p:nvPr>
-        </p:nvSpPr>
-        <p:spPr/>
-        <p:txBody>
-          <a:bodyPr/>
-          <a:lstStyle/>
-          <a:p>
-            <a:r>
-              <a:rPr lang="en-US" dirty="0" err="1" smtClean="0"/>
-              <a:t>Formato</a:t>
-            </a:r>
-            <a:r>
-              <a:rPr lang="en-US" dirty="0" smtClean="0"/>
-              <a:t> SWD: </a:t>
-            </a:r>
-            <a:r>
-              <a:rPr lang="en-US" dirty="0" err="1" smtClean="0"/>
-              <a:t>datos</a:t>
-            </a:r>
-            <a:r>
-              <a:rPr lang="en-US" dirty="0" smtClean="0"/>
-              <a:t> de </a:t>
-            </a:r>
-            <a:r>
-              <a:rPr lang="en-US" dirty="0" err="1" smtClean="0"/>
-              <a:t>fondo</a:t>
-            </a:r>
-            <a:r>
-              <a:rPr lang="en-US" dirty="0" smtClean="0"/>
-              <a:t> (background)</a:t>
-            </a:r>
-            <a:endParaRPr lang="en-US" dirty="0"/>
-          </a:p>
-        </p:txBody>
-      </p:sp>
-      <p:pic>
-        <p:nvPicPr>
-          <p:cNvPr id="4" name="Picture 3"/>
-          <p:cNvPicPr>
-            <a:picLocks noChangeAspect="1"/>
-          </p:cNvPicPr>
-          <p:nvPr/>
-        </p:nvPicPr>
-        <p:blipFill>
-          <a:blip r:embed="rId2"/>
-          <a:stretch>
-            <a:fillRect/>
-          </a:stretch>
-        </p:blipFill>
-        <p:spPr>
-          <a:xfrm>
-            <a:off x="504825" y="1564313"/>
-            <a:ext cx="11182350" cy="4733925"/>
-          </a:xfrm>
-          <a:prstGeom prst="rect">
-            <a:avLst/>
-          </a:prstGeom>
-        </p:spPr>
-      </p:pic>
-    </p:spTree>
-    <p:extLst>
-      <p:ext uri="{BB962C8B-B14F-4D97-AF65-F5344CB8AC3E}">
-        <p14:creationId xmlns:p14="http://schemas.microsoft.com/office/powerpoint/2010/main" val="2382428207"/>
       </p:ext>
     </p:extLst>
   </p:cSld>
